--- a/The Evil Garden.pptx
+++ b/The Evil Garden.pptx
@@ -240,7 +240,7 @@
           <a:p>
             <a:fld id="{52818EB1-FF96-47AA-9A30-F1BFF2FFD1F7}" type="datetimeFigureOut">
               <a:rPr lang="en-US" smtClean="0"/>
-              <a:t>8/18/2022</a:t>
+              <a:t>8/19/2022</a:t>
             </a:fld>
             <a:endParaRPr lang="en-US" dirty="0"/>
           </a:p>
@@ -417,7 +417,7 @@
           <a:p>
             <a:fld id="{97E4A361-7934-4769-9B16-8A939698742C}" type="datetimeFigureOut">
               <a:rPr lang="en-US" smtClean="0"/>
-              <a:t>8/18/2022</a:t>
+              <a:t>8/19/2022</a:t>
             </a:fld>
             <a:endParaRPr lang="en-US" dirty="0"/>
           </a:p>
@@ -18086,7 +18086,7 @@
         </p:nvSpPr>
         <p:spPr>
           <a:xfrm>
-            <a:off x="709922" y="2200295"/>
+            <a:off x="709922" y="1898454"/>
             <a:ext cx="5033930" cy="3303860"/>
           </a:xfrm>
         </p:spPr>
@@ -18094,6 +18094,7 @@
           <a:bodyPr/>
           <a:lstStyle/>
           <a:p>
+            <a:pPr algn="just"/>
             <a:r>
               <a:rPr lang="en-US" b="0" i="0" dirty="0">
                 <a:solidFill>
@@ -18101,8 +18102,13 @@
                 </a:solidFill>
                 <a:effectLst/>
               </a:rPr>
-              <a:t>We created 4 dictionaries with the following data in each one.</a:t>
-            </a:r>
+              <a:t>We initially created 4 dictionaries with the following data in each:</a:t>
+            </a:r>
+            <a:endParaRPr lang="en-US" dirty="0">
+              <a:solidFill>
+                <a:srgbClr val="1D1C1D"/>
+              </a:solidFill>
+            </a:endParaRPr>
           </a:p>
           <a:p>
             <a:br>
@@ -18184,10 +18190,11 @@
                 </a:solidFill>
                 <a:effectLst/>
               </a:rPr>
-              <a:t>Orders = {Order Id, Product Id, Quantity, Total cost, Customer Id, Status}</a:t>
-            </a:r>
-          </a:p>
-          <a:p>
+              <a:t>Orders = {Order ID, Product ID, Quantity, Total cost, Customer ID, Status}</a:t>
+            </a:r>
+          </a:p>
+          <a:p>
+            <a:pPr algn="just"/>
             <a:r>
               <a:rPr lang="en-US" b="0" i="0" dirty="0">
                 <a:solidFill>
@@ -18195,7 +18202,7 @@
                 </a:solidFill>
                 <a:effectLst/>
               </a:rPr>
-              <a:t>We then created an application that allows an admin to add new data as well as to view specific or all data.</a:t>
+              <a:t>We then created an application that allows a user to login with their credentials, after which they can add new data, as well as view specific or all data - including sales based on product, price range, and location.</a:t>
             </a:r>
             <a:endParaRPr lang="en-US" dirty="0"/>
           </a:p>
@@ -18565,16 +18572,15 @@
           </p:cNvPicPr>
           <p:nvPr/>
         </p:nvPicPr>
-        <p:blipFill>
+        <p:blipFill rotWithShape="1">
           <a:blip r:embed="rId2"/>
-          <a:stretch>
-            <a:fillRect/>
-          </a:stretch>
+          <a:srcRect l="1" r="-78"/>
+          <a:stretch/>
         </p:blipFill>
         <p:spPr>
           <a:xfrm>
-            <a:off x="385942" y="4566991"/>
-            <a:ext cx="8298899" cy="1516511"/>
+            <a:off x="741051" y="4433305"/>
+            <a:ext cx="10781056" cy="1968574"/>
           </a:xfrm>
           <a:prstGeom prst="rect">
             <a:avLst/>
@@ -18603,7 +18609,7 @@
         </p:blipFill>
         <p:spPr>
           <a:xfrm>
-            <a:off x="385942" y="456121"/>
+            <a:off x="741051" y="456121"/>
             <a:ext cx="6198747" cy="3399149"/>
           </a:xfrm>
           <a:prstGeom prst="rect">
@@ -18633,7 +18639,7 @@
         </p:blipFill>
         <p:spPr>
           <a:xfrm>
-            <a:off x="6973041" y="456121"/>
+            <a:off x="7292640" y="1652899"/>
             <a:ext cx="4229467" cy="2202371"/>
           </a:xfrm>
           <a:prstGeom prst="rect">
@@ -18641,6 +18647,40 @@
           </a:prstGeom>
         </p:spPr>
       </p:pic>
+      <p:sp>
+        <p:nvSpPr>
+          <p:cNvPr id="2" name="Title 1">
+            <a:extLst>
+              <a:ext uri="{FF2B5EF4-FFF2-40B4-BE49-F238E27FC236}">
+                <a16:creationId xmlns:a16="http://schemas.microsoft.com/office/drawing/2014/main" id="{2770CF09-69E5-2A26-10F7-14AD76D167DF}"/>
+              </a:ext>
+            </a:extLst>
+          </p:cNvPr>
+          <p:cNvSpPr>
+            <a:spLocks noGrp="1"/>
+          </p:cNvSpPr>
+          <p:nvPr>
+            <p:ph type="title"/>
+          </p:nvPr>
+        </p:nvSpPr>
+        <p:spPr>
+          <a:xfrm>
+            <a:off x="6516641" y="38318"/>
+            <a:ext cx="5005466" cy="1325563"/>
+          </a:xfrm>
+        </p:spPr>
+        <p:txBody>
+          <a:bodyPr/>
+          <a:lstStyle/>
+          <a:p>
+            <a:pPr algn="r"/>
+            <a:r>
+              <a:rPr lang="en-US" dirty="0"/>
+              <a:t>Code Snippets</a:t>
+            </a:r>
+          </a:p>
+        </p:txBody>
+      </p:sp>
     </p:spTree>
     <p:extLst>
       <p:ext uri="{BB962C8B-B14F-4D97-AF65-F5344CB8AC3E}">
@@ -19763,6 +19803,15 @@
 </file>
 
 <file path=customXml/item1.xml><?xml version="1.0" encoding="utf-8"?>
+<?mso-contentType ?>
+<FormTemplates xmlns="http://schemas.microsoft.com/sharepoint/v3/contenttype/forms">
+  <Display>DocumentLibraryForm</Display>
+  <Edit>DocumentLibraryForm</Edit>
+  <New>DocumentLibraryForm</New>
+</FormTemplates>
+</file>
+
+<file path=customXml/item2.xml><?xml version="1.0" encoding="utf-8"?>
 <p:properties xmlns:p="http://schemas.microsoft.com/office/2006/metadata/properties" xmlns:xsi="http://www.w3.org/2001/XMLSchema-instance" xmlns:pc="http://schemas.microsoft.com/office/infopath/2007/PartnerControls">
   <documentManagement>
     <Status xmlns="71af3243-3dd4-4a8d-8c0d-dd76da1f02a5">Not started</Status>
@@ -19779,15 +19828,6 @@
     <MediaServiceKeyPoints xmlns="71af3243-3dd4-4a8d-8c0d-dd76da1f02a5" xsi:nil="true"/>
   </documentManagement>
 </p:properties>
-</file>
-
-<file path=customXml/item2.xml><?xml version="1.0" encoding="utf-8"?>
-<?mso-contentType ?>
-<FormTemplates xmlns="http://schemas.microsoft.com/sharepoint/v3/contenttype/forms">
-  <Display>DocumentLibraryForm</Display>
-  <Edit>DocumentLibraryForm</Edit>
-  <New>DocumentLibraryForm</New>
-</FormTemplates>
 </file>
 
 <file path=customXml/item3.xml><?xml version="1.0" encoding="utf-8"?>
@@ -20067,6 +20107,14 @@
 </file>
 
 <file path=customXml/itemProps1.xml><?xml version="1.0" encoding="utf-8"?>
+<ds:datastoreItem xmlns:ds="http://schemas.openxmlformats.org/officeDocument/2006/customXml" ds:itemID="{E0C88140-B977-44ED-8877-83D5BCE76393}">
+  <ds:schemaRefs>
+    <ds:schemaRef ds:uri="http://schemas.microsoft.com/sharepoint/v3/contenttype/forms"/>
+  </ds:schemaRefs>
+</ds:datastoreItem>
+</file>
+
+<file path=customXml/itemProps2.xml><?xml version="1.0" encoding="utf-8"?>
 <ds:datastoreItem xmlns:ds="http://schemas.openxmlformats.org/officeDocument/2006/customXml" ds:itemID="{DBE6AE0A-D4B0-4A5B-9359-3C20E0AE6F61}">
   <ds:schemaRefs>
     <ds:schemaRef ds:uri="http://schemas.microsoft.com/office/2006/metadata/properties"/>
@@ -20074,14 +20122,6 @@
     <ds:schemaRef ds:uri="71af3243-3dd4-4a8d-8c0d-dd76da1f02a5"/>
     <ds:schemaRef ds:uri="http://schemas.microsoft.com/sharepoint/v3"/>
     <ds:schemaRef ds:uri="230e9df3-be65-4c73-a93b-d1236ebd677e"/>
-  </ds:schemaRefs>
-</ds:datastoreItem>
-</file>
-
-<file path=customXml/itemProps2.xml><?xml version="1.0" encoding="utf-8"?>
-<ds:datastoreItem xmlns:ds="http://schemas.openxmlformats.org/officeDocument/2006/customXml" ds:itemID="{E0C88140-B977-44ED-8877-83D5BCE76393}">
-  <ds:schemaRefs>
-    <ds:schemaRef ds:uri="http://schemas.microsoft.com/sharepoint/v3/contenttype/forms"/>
   </ds:schemaRefs>
 </ds:datastoreItem>
 </file>
